--- a/figs/3dev.pptx
+++ b/figs/3dev.pptx
@@ -288,7 +288,7 @@
           <a:p>
             <a:fld id="{871334FB-3DEA-4542-BB99-8F25546AFEA9}" type="datetimeFigureOut">
               <a:rPr lang="en-US" smtClean="0"/>
-              <a:t>5/29/13</a:t>
+              <a:t>5/30/13</a:t>
             </a:fld>
             <a:endParaRPr lang="en-US"/>
           </a:p>
@@ -458,7 +458,7 @@
           <a:p>
             <a:fld id="{871334FB-3DEA-4542-BB99-8F25546AFEA9}" type="datetimeFigureOut">
               <a:rPr lang="en-US" smtClean="0"/>
-              <a:t>5/29/13</a:t>
+              <a:t>5/30/13</a:t>
             </a:fld>
             <a:endParaRPr lang="en-US"/>
           </a:p>
@@ -638,7 +638,7 @@
           <a:p>
             <a:fld id="{871334FB-3DEA-4542-BB99-8F25546AFEA9}" type="datetimeFigureOut">
               <a:rPr lang="en-US" smtClean="0"/>
-              <a:t>5/29/13</a:t>
+              <a:t>5/30/13</a:t>
             </a:fld>
             <a:endParaRPr lang="en-US"/>
           </a:p>
@@ -808,7 +808,7 @@
           <a:p>
             <a:fld id="{871334FB-3DEA-4542-BB99-8F25546AFEA9}" type="datetimeFigureOut">
               <a:rPr lang="en-US" smtClean="0"/>
-              <a:t>5/29/13</a:t>
+              <a:t>5/30/13</a:t>
             </a:fld>
             <a:endParaRPr lang="en-US"/>
           </a:p>
@@ -1054,7 +1054,7 @@
           <a:p>
             <a:fld id="{871334FB-3DEA-4542-BB99-8F25546AFEA9}" type="datetimeFigureOut">
               <a:rPr lang="en-US" smtClean="0"/>
-              <a:t>5/29/13</a:t>
+              <a:t>5/30/13</a:t>
             </a:fld>
             <a:endParaRPr lang="en-US"/>
           </a:p>
@@ -1342,7 +1342,7 @@
           <a:p>
             <a:fld id="{871334FB-3DEA-4542-BB99-8F25546AFEA9}" type="datetimeFigureOut">
               <a:rPr lang="en-US" smtClean="0"/>
-              <a:t>5/29/13</a:t>
+              <a:t>5/30/13</a:t>
             </a:fld>
             <a:endParaRPr lang="en-US"/>
           </a:p>
@@ -1764,7 +1764,7 @@
           <a:p>
             <a:fld id="{871334FB-3DEA-4542-BB99-8F25546AFEA9}" type="datetimeFigureOut">
               <a:rPr lang="en-US" smtClean="0"/>
-              <a:t>5/29/13</a:t>
+              <a:t>5/30/13</a:t>
             </a:fld>
             <a:endParaRPr lang="en-US"/>
           </a:p>
@@ -1882,7 +1882,7 @@
           <a:p>
             <a:fld id="{871334FB-3DEA-4542-BB99-8F25546AFEA9}" type="datetimeFigureOut">
               <a:rPr lang="en-US" smtClean="0"/>
-              <a:t>5/29/13</a:t>
+              <a:t>5/30/13</a:t>
             </a:fld>
             <a:endParaRPr lang="en-US"/>
           </a:p>
@@ -1977,7 +1977,7 @@
           <a:p>
             <a:fld id="{871334FB-3DEA-4542-BB99-8F25546AFEA9}" type="datetimeFigureOut">
               <a:rPr lang="en-US" smtClean="0"/>
-              <a:t>5/29/13</a:t>
+              <a:t>5/30/13</a:t>
             </a:fld>
             <a:endParaRPr lang="en-US"/>
           </a:p>
@@ -2254,7 +2254,7 @@
           <a:p>
             <a:fld id="{871334FB-3DEA-4542-BB99-8F25546AFEA9}" type="datetimeFigureOut">
               <a:rPr lang="en-US" smtClean="0"/>
-              <a:t>5/29/13</a:t>
+              <a:t>5/30/13</a:t>
             </a:fld>
             <a:endParaRPr lang="en-US"/>
           </a:p>
@@ -2507,7 +2507,7 @@
           <a:p>
             <a:fld id="{871334FB-3DEA-4542-BB99-8F25546AFEA9}" type="datetimeFigureOut">
               <a:rPr lang="en-US" smtClean="0"/>
-              <a:t>5/29/13</a:t>
+              <a:t>5/30/13</a:t>
             </a:fld>
             <a:endParaRPr lang="en-US"/>
           </a:p>
@@ -2720,7 +2720,7 @@
           <a:p>
             <a:fld id="{871334FB-3DEA-4542-BB99-8F25546AFEA9}" type="datetimeFigureOut">
               <a:rPr lang="en-US" smtClean="0"/>
-              <a:t>5/29/13</a:t>
+              <a:t>5/30/13</a:t>
             </a:fld>
             <a:endParaRPr lang="en-US"/>
           </a:p>
@@ -3111,9 +3111,9 @@
           </a:stretch>
         </p:blipFill>
         <p:spPr>
-          <a:xfrm>
-            <a:off x="833526" y="2669692"/>
-            <a:ext cx="7541680" cy="2035271"/>
+          <a:xfrm rot="5400000">
+            <a:off x="1113253" y="2556037"/>
+            <a:ext cx="6775440" cy="1828486"/>
           </a:xfrm>
           <a:prstGeom prst="rect">
             <a:avLst/>
@@ -3122,50 +3122,14 @@
       </p:pic>
       <p:cxnSp>
         <p:nvCxnSpPr>
-          <p:cNvPr id="5" name="Straight Connector 4"/>
-          <p:cNvCxnSpPr/>
-          <p:nvPr/>
-        </p:nvCxnSpPr>
-        <p:spPr>
-          <a:xfrm rot="5400000" flipH="1" flipV="1">
-            <a:off x="874603" y="2812677"/>
-            <a:ext cx="287558" cy="1588"/>
-          </a:xfrm>
-          <a:prstGeom prst="line">
-            <a:avLst/>
-          </a:prstGeom>
-          <a:ln>
-            <a:solidFill>
-              <a:schemeClr val="tx1"/>
-            </a:solidFill>
-            <a:headEnd type="triangle" w="lg" len="med"/>
-          </a:ln>
-        </p:spPr>
-        <p:style>
-          <a:lnRef idx="2">
-            <a:schemeClr val="accent1"/>
-          </a:lnRef>
-          <a:fillRef idx="0">
-            <a:schemeClr val="accent1"/>
-          </a:fillRef>
-          <a:effectRef idx="1">
-            <a:schemeClr val="accent1"/>
-          </a:effectRef>
-          <a:fontRef idx="minor">
-            <a:schemeClr val="tx1"/>
-          </a:fontRef>
-        </p:style>
-      </p:cxnSp>
-      <p:cxnSp>
-        <p:nvCxnSpPr>
           <p:cNvPr id="6" name="Straight Connector 5"/>
           <p:cNvCxnSpPr/>
           <p:nvPr/>
         </p:nvCxnSpPr>
         <p:spPr>
-          <a:xfrm rot="5400000">
-            <a:off x="873015" y="4537486"/>
-            <a:ext cx="287558" cy="1588"/>
+          <a:xfrm flipH="1">
+            <a:off x="3434940" y="499430"/>
+            <a:ext cx="419398" cy="1"/>
           </a:xfrm>
           <a:prstGeom prst="line">
             <a:avLst/>
@@ -3199,9 +3163,9 @@
           <p:nvPr/>
         </p:nvCxnSpPr>
         <p:spPr>
-          <a:xfrm rot="5400000">
-            <a:off x="1823598" y="4321261"/>
-            <a:ext cx="605358" cy="6352"/>
+          <a:xfrm>
+            <a:off x="4177060" y="3179734"/>
+            <a:ext cx="634662" cy="0"/>
           </a:xfrm>
           <a:prstGeom prst="line">
             <a:avLst/>
@@ -3235,9 +3199,9 @@
           <p:nvPr/>
         </p:nvCxnSpPr>
         <p:spPr>
-          <a:xfrm rot="5400000">
-            <a:off x="3987765" y="4333249"/>
-            <a:ext cx="597093" cy="4764"/>
+          <a:xfrm flipH="1">
+            <a:off x="4242965" y="5023113"/>
+            <a:ext cx="568757" cy="7059"/>
           </a:xfrm>
           <a:prstGeom prst="line">
             <a:avLst/>
@@ -3271,9 +3235,9 @@
           <p:nvPr/>
         </p:nvCxnSpPr>
         <p:spPr>
-          <a:xfrm rot="10800000">
-            <a:off x="2129453" y="4525501"/>
-            <a:ext cx="2154476" cy="2"/>
+          <a:xfrm flipV="1">
+            <a:off x="4488754" y="3179734"/>
+            <a:ext cx="0" cy="1769075"/>
           </a:xfrm>
           <a:prstGeom prst="line">
             <a:avLst/>
@@ -3308,9 +3272,9 @@
           <p:nvPr/>
         </p:nvCxnSpPr>
         <p:spPr>
-          <a:xfrm rot="16200000" flipH="1">
-            <a:off x="4613466" y="4422992"/>
-            <a:ext cx="422365" cy="1"/>
+          <a:xfrm flipH="1">
+            <a:off x="4078104" y="1687106"/>
+            <a:ext cx="503569" cy="1"/>
           </a:xfrm>
           <a:prstGeom prst="line">
             <a:avLst/>
@@ -3344,9 +3308,9 @@
           <p:nvPr/>
         </p:nvCxnSpPr>
         <p:spPr>
-          <a:xfrm rot="10800000">
-            <a:off x="4824651" y="4525511"/>
-            <a:ext cx="1243201" cy="1"/>
+          <a:xfrm flipH="1" flipV="1">
+            <a:off x="4335128" y="1687106"/>
+            <a:ext cx="2" cy="1002638"/>
           </a:xfrm>
           <a:prstGeom prst="line">
             <a:avLst/>
@@ -3381,9 +3345,9 @@
           <p:nvPr/>
         </p:nvCxnSpPr>
         <p:spPr>
-          <a:xfrm flipH="1">
-            <a:off x="1438338" y="4037083"/>
-            <a:ext cx="315300" cy="1082163"/>
+          <a:xfrm>
+            <a:off x="4852687" y="1433208"/>
+            <a:ext cx="524885" cy="355539"/>
           </a:xfrm>
           <a:prstGeom prst="line">
             <a:avLst/>
@@ -3418,7 +3382,7 @@
         </p:nvSpPr>
         <p:spPr>
           <a:xfrm>
-            <a:off x="2539798" y="4472913"/>
+            <a:off x="4521320" y="3826582"/>
             <a:ext cx="1287432" cy="646331"/>
           </a:xfrm>
           <a:prstGeom prst="rect">
@@ -3463,7 +3427,7 @@
         </p:nvSpPr>
         <p:spPr>
           <a:xfrm>
-            <a:off x="4780420" y="4525513"/>
+            <a:off x="3062410" y="1914686"/>
             <a:ext cx="1287432" cy="646331"/>
           </a:xfrm>
           <a:prstGeom prst="rect">
@@ -3504,7 +3468,7 @@
         </p:nvSpPr>
         <p:spPr>
           <a:xfrm>
-            <a:off x="671588" y="5119244"/>
+            <a:off x="4852687" y="1687106"/>
             <a:ext cx="2164099" cy="646331"/>
           </a:xfrm>
           <a:prstGeom prst="rect">
@@ -3553,8 +3517,8 @@
         </p:nvCxnSpPr>
         <p:spPr>
           <a:xfrm>
-            <a:off x="6850887" y="3612159"/>
-            <a:ext cx="388113" cy="1014957"/>
+            <a:off x="4620547" y="5797405"/>
+            <a:ext cx="393092" cy="154203"/>
           </a:xfrm>
           <a:prstGeom prst="line">
             <a:avLst/>
@@ -3589,7 +3553,7 @@
         </p:nvSpPr>
         <p:spPr>
           <a:xfrm>
-            <a:off x="6400294" y="4627116"/>
+            <a:off x="4970046" y="5562323"/>
             <a:ext cx="1677412" cy="646331"/>
           </a:xfrm>
           <a:prstGeom prst="rect">
@@ -3633,9 +3597,9 @@
           <p:nvPr/>
         </p:nvCxnSpPr>
         <p:spPr>
-          <a:xfrm rot="16200000" flipH="1">
-            <a:off x="5856668" y="4422995"/>
-            <a:ext cx="422365" cy="1"/>
+          <a:xfrm flipH="1">
+            <a:off x="4105414" y="2689744"/>
+            <a:ext cx="459432" cy="0"/>
           </a:xfrm>
           <a:prstGeom prst="line">
             <a:avLst/>
@@ -3669,9 +3633,9 @@
           <p:nvPr/>
         </p:nvCxnSpPr>
         <p:spPr>
-          <a:xfrm rot="5400000" flipH="1" flipV="1">
-            <a:off x="874603" y="2812677"/>
-            <a:ext cx="287558" cy="1588"/>
+          <a:xfrm flipV="1">
+            <a:off x="5165036" y="499430"/>
+            <a:ext cx="420750" cy="1"/>
           </a:xfrm>
           <a:prstGeom prst="line">
             <a:avLst/>
@@ -3706,7 +3670,7 @@
         </p:nvSpPr>
         <p:spPr>
           <a:xfrm>
-            <a:off x="671588" y="2036162"/>
+            <a:off x="5558476" y="92983"/>
             <a:ext cx="1287432" cy="646331"/>
           </a:xfrm>
           <a:prstGeom prst="rect">
@@ -3747,7 +3711,7 @@
         </p:nvSpPr>
         <p:spPr>
           <a:xfrm>
-            <a:off x="1894748" y="2266994"/>
+            <a:off x="3434150" y="710372"/>
             <a:ext cx="786160" cy="923330"/>
           </a:xfrm>
           <a:prstGeom prst="rect">
@@ -3780,7 +3744,7 @@
         </p:nvSpPr>
         <p:spPr>
           <a:xfrm>
-            <a:off x="4038490" y="2266994"/>
+            <a:off x="3434940" y="2674039"/>
             <a:ext cx="786160" cy="923330"/>
           </a:xfrm>
           <a:prstGeom prst="rect">
@@ -3818,7 +3782,7 @@
         </p:nvSpPr>
         <p:spPr>
           <a:xfrm>
-            <a:off x="6466748" y="2419394"/>
+            <a:off x="3652630" y="5273447"/>
             <a:ext cx="786160" cy="923330"/>
           </a:xfrm>
           <a:prstGeom prst="rect">
